--- a/ClassMaterials/Sorting/Slides/Part2-InsertionSort.pptx
+++ b/ClassMaterials/Sorting/Slides/Part2-InsertionSort.pptx
@@ -5,15 +5,16 @@
     <p:sldMasterId id="2147484485" r:id="rId1"/>
   </p:sldMasterIdLst>
   <p:notesMasterIdLst>
-    <p:notesMasterId r:id="rId5"/>
+    <p:notesMasterId r:id="rId6"/>
   </p:notesMasterIdLst>
   <p:handoutMasterIdLst>
-    <p:handoutMasterId r:id="rId6"/>
+    <p:handoutMasterId r:id="rId7"/>
   </p:handoutMasterIdLst>
   <p:sldIdLst>
     <p:sldId id="281" r:id="rId2"/>
     <p:sldId id="287" r:id="rId3"/>
     <p:sldId id="270" r:id="rId4"/>
+    <p:sldId id="288" r:id="rId5"/>
   </p:sldIdLst>
   <p:sldSz cx="9144000" cy="6858000" type="screen4x3"/>
   <p:notesSz cx="7010400" cy="9296400"/>
@@ -161,6 +162,82 @@
 </p:presentation>
 </file>
 
+<file path=ppt/changesInfos/changesInfo1.xml><?xml version="1.0" encoding="utf-8"?>
+<pc:chgInfo xmlns:a="http://schemas.openxmlformats.org/drawingml/2006/main" xmlns:r="http://schemas.openxmlformats.org/officeDocument/2006/relationships" xmlns:ac="http://schemas.microsoft.com/office/drawing/2013/main/command" xmlns:pc="http://schemas.microsoft.com/office/powerpoint/2013/main/command">
+  <pc:docChgLst>
+    <pc:chgData name="Yoder, Jason" userId="28f4d4d8-da04-4f86-b14d-a21675737bc5" providerId="ADAL" clId="{281BFA4B-B2CA-49D0-AB95-E3C0ECC1E11B}"/>
+    <pc:docChg chg="modSld">
+      <pc:chgData name="Yoder, Jason" userId="28f4d4d8-da04-4f86-b14d-a21675737bc5" providerId="ADAL" clId="{281BFA4B-B2CA-49D0-AB95-E3C0ECC1E11B}" dt="2023-11-20T21:55:45.246" v="0" actId="20577"/>
+      <pc:docMkLst>
+        <pc:docMk/>
+      </pc:docMkLst>
+      <pc:sldChg chg="modSp mod">
+        <pc:chgData name="Yoder, Jason" userId="28f4d4d8-da04-4f86-b14d-a21675737bc5" providerId="ADAL" clId="{281BFA4B-B2CA-49D0-AB95-E3C0ECC1E11B}" dt="2023-11-20T21:55:45.246" v="0" actId="20577"/>
+        <pc:sldMkLst>
+          <pc:docMk/>
+          <pc:sldMk cId="166163523" sldId="288"/>
+        </pc:sldMkLst>
+        <pc:spChg chg="mod">
+          <ac:chgData name="Yoder, Jason" userId="28f4d4d8-da04-4f86-b14d-a21675737bc5" providerId="ADAL" clId="{281BFA4B-B2CA-49D0-AB95-E3C0ECC1E11B}" dt="2023-11-20T21:55:45.246" v="0" actId="20577"/>
+          <ac:spMkLst>
+            <pc:docMk/>
+            <pc:sldMk cId="166163523" sldId="288"/>
+            <ac:spMk id="2" creationId="{E2349E85-760C-59DA-ED1B-17AAA5536D43}"/>
+          </ac:spMkLst>
+        </pc:spChg>
+      </pc:sldChg>
+    </pc:docChg>
+  </pc:docChgLst>
+  <pc:docChgLst>
+    <pc:chgData name="Yoder, Jason" userId="28f4d4d8-da04-4f86-b14d-a21675737bc5" providerId="ADAL" clId="{551757A7-4077-4E21-8EDD-A1D9D2DF40C2}"/>
+    <pc:docChg chg="custSel addSld modSld">
+      <pc:chgData name="Yoder, Jason" userId="28f4d4d8-da04-4f86-b14d-a21675737bc5" providerId="ADAL" clId="{551757A7-4077-4E21-8EDD-A1D9D2DF40C2}" dt="2023-11-02T13:31:08.821" v="367" actId="6549"/>
+      <pc:docMkLst>
+        <pc:docMk/>
+      </pc:docMkLst>
+      <pc:sldChg chg="modSp mod">
+        <pc:chgData name="Yoder, Jason" userId="28f4d4d8-da04-4f86-b14d-a21675737bc5" providerId="ADAL" clId="{551757A7-4077-4E21-8EDD-A1D9D2DF40C2}" dt="2023-11-02T13:17:46.932" v="14" actId="20577"/>
+        <pc:sldMkLst>
+          <pc:docMk/>
+          <pc:sldMk cId="0" sldId="270"/>
+        </pc:sldMkLst>
+        <pc:spChg chg="mod">
+          <ac:chgData name="Yoder, Jason" userId="28f4d4d8-da04-4f86-b14d-a21675737bc5" providerId="ADAL" clId="{551757A7-4077-4E21-8EDD-A1D9D2DF40C2}" dt="2023-11-02T13:17:46.932" v="14" actId="20577"/>
+          <ac:spMkLst>
+            <pc:docMk/>
+            <pc:sldMk cId="0" sldId="270"/>
+            <ac:spMk id="2" creationId="{00000000-0000-0000-0000-000000000000}"/>
+          </ac:spMkLst>
+        </pc:spChg>
+      </pc:sldChg>
+      <pc:sldChg chg="modSp new mod">
+        <pc:chgData name="Yoder, Jason" userId="28f4d4d8-da04-4f86-b14d-a21675737bc5" providerId="ADAL" clId="{551757A7-4077-4E21-8EDD-A1D9D2DF40C2}" dt="2023-11-02T13:31:08.821" v="367" actId="6549"/>
+        <pc:sldMkLst>
+          <pc:docMk/>
+          <pc:sldMk cId="166163523" sldId="288"/>
+        </pc:sldMkLst>
+        <pc:spChg chg="mod">
+          <ac:chgData name="Yoder, Jason" userId="28f4d4d8-da04-4f86-b14d-a21675737bc5" providerId="ADAL" clId="{551757A7-4077-4E21-8EDD-A1D9D2DF40C2}" dt="2023-11-02T13:29:14.522" v="29" actId="20577"/>
+          <ac:spMkLst>
+            <pc:docMk/>
+            <pc:sldMk cId="166163523" sldId="288"/>
+            <ac:spMk id="2" creationId="{E2349E85-760C-59DA-ED1B-17AAA5536D43}"/>
+          </ac:spMkLst>
+        </pc:spChg>
+        <pc:spChg chg="mod">
+          <ac:chgData name="Yoder, Jason" userId="28f4d4d8-da04-4f86-b14d-a21675737bc5" providerId="ADAL" clId="{551757A7-4077-4E21-8EDD-A1D9D2DF40C2}" dt="2023-11-02T13:31:08.821" v="367" actId="6549"/>
+          <ac:spMkLst>
+            <pc:docMk/>
+            <pc:sldMk cId="166163523" sldId="288"/>
+            <ac:spMk id="3" creationId="{6E74CCD8-F723-0CE0-C83F-09F5FB4C72C2}"/>
+          </ac:spMkLst>
+        </pc:spChg>
+      </pc:sldChg>
+    </pc:docChg>
+  </pc:docChgLst>
+</pc:chgInfo>
+</file>
+
 <file path=ppt/handoutMasters/handoutMaster1.xml><?xml version="1.0" encoding="utf-8"?>
 <p:handoutMaster xmlns:a="http://schemas.openxmlformats.org/drawingml/2006/main" xmlns:r="http://schemas.openxmlformats.org/officeDocument/2006/relationships" xmlns:p="http://schemas.openxmlformats.org/presentationml/2006/main">
   <p:cSld>
@@ -278,7 +355,7 @@
               <a:pPr>
                 <a:defRPr/>
               </a:pPr>
-              <a:t>11/22/2022</a:t>
+              <a:t>11/20/2023</a:t>
             </a:fld>
             <a:endParaRPr lang="en-US"/>
           </a:p>
@@ -513,7 +590,7 @@
               <a:pPr>
                 <a:defRPr/>
               </a:pPr>
-              <a:t>11/22/2022</a:t>
+              <a:t>11/20/2023</a:t>
             </a:fld>
             <a:endParaRPr lang="en-US"/>
           </a:p>
@@ -959,15 +1036,7 @@
             </a:pPr>
             <a:r>
               <a:rPr lang="en-US" baseline="0" dirty="0"/>
-              <a:t>Bubble </a:t>
-            </a:r>
-            <a:r>
-              <a:rPr lang="en-US" baseline="0"/>
-              <a:t>elements up from </a:t>
-            </a:r>
-            <a:r>
-              <a:rPr lang="en-US" baseline="0" dirty="0"/>
-              <a:t>sorted part to make room for next element in unsorted part.</a:t>
+              <a:t>Bubble elements up from sorted part to make room for next element in unsorted part.</a:t>
             </a:r>
           </a:p>
           <a:p>
@@ -1281,7 +1350,7 @@
               <a:pPr>
                 <a:defRPr/>
               </a:pPr>
-              <a:t>Tuesday, November 22, 2022</a:t>
+              <a:t>Monday, November 20, 2023</a:t>
             </a:fld>
             <a:endParaRPr lang="en-US" dirty="0"/>
           </a:p>
@@ -1464,7 +1533,7 @@
               <a:pPr>
                 <a:defRPr/>
               </a:pPr>
-              <a:t>Tuesday, November 22, 2022</a:t>
+              <a:t>Monday, November 20, 2023</a:t>
             </a:fld>
             <a:endParaRPr lang="en-US" dirty="0"/>
           </a:p>
@@ -1657,7 +1726,7 @@
               <a:pPr>
                 <a:defRPr/>
               </a:pPr>
-              <a:t>Tuesday, November 22, 2022</a:t>
+              <a:t>Monday, November 20, 2023</a:t>
             </a:fld>
             <a:endParaRPr lang="en-US" dirty="0"/>
           </a:p>
@@ -1840,7 +1909,7 @@
               <a:pPr>
                 <a:defRPr/>
               </a:pPr>
-              <a:t>Tuesday, November 22, 2022</a:t>
+              <a:t>Monday, November 20, 2023</a:t>
             </a:fld>
             <a:endParaRPr lang="en-US" dirty="0"/>
           </a:p>
@@ -2100,7 +2169,7 @@
               <a:pPr>
                 <a:defRPr/>
               </a:pPr>
-              <a:t>Tuesday, November 22, 2022</a:t>
+              <a:t>Monday, November 20, 2023</a:t>
             </a:fld>
             <a:endParaRPr lang="en-US"/>
           </a:p>
@@ -2400,7 +2469,7 @@
               <a:pPr>
                 <a:defRPr/>
               </a:pPr>
-              <a:t>Tuesday, November 22, 2022</a:t>
+              <a:t>Monday, November 20, 2023</a:t>
             </a:fld>
             <a:endParaRPr lang="en-US"/>
           </a:p>
@@ -2834,7 +2903,7 @@
               <a:pPr>
                 <a:defRPr/>
               </a:pPr>
-              <a:t>Tuesday, November 22, 2022</a:t>
+              <a:t>Monday, November 20, 2023</a:t>
             </a:fld>
             <a:endParaRPr lang="en-US"/>
           </a:p>
@@ -2966,7 +3035,7 @@
               <a:pPr>
                 <a:defRPr/>
               </a:pPr>
-              <a:t>Tuesday, November 22, 2022</a:t>
+              <a:t>Monday, November 20, 2023</a:t>
             </a:fld>
             <a:endParaRPr lang="en-US"/>
           </a:p>
@@ -3076,7 +3145,7 @@
               <a:pPr>
                 <a:defRPr/>
               </a:pPr>
-              <a:t>Tuesday, November 22, 2022</a:t>
+              <a:t>Monday, November 20, 2023</a:t>
             </a:fld>
             <a:endParaRPr lang="en-US" dirty="0"/>
           </a:p>
@@ -3366,7 +3435,7 @@
               <a:pPr>
                 <a:defRPr/>
               </a:pPr>
-              <a:t>Tuesday, November 22, 2022</a:t>
+              <a:t>Monday, November 20, 2023</a:t>
             </a:fld>
             <a:endParaRPr lang="en-US"/>
           </a:p>
@@ -3633,7 +3702,7 @@
               <a:pPr>
                 <a:defRPr/>
               </a:pPr>
-              <a:t>Tuesday, November 22, 2022</a:t>
+              <a:t>Monday, November 20, 2023</a:t>
             </a:fld>
             <a:endParaRPr lang="en-US"/>
           </a:p>
@@ -3859,7 +3928,7 @@
               <a:pPr>
                 <a:defRPr/>
               </a:pPr>
-              <a:t>Tuesday, November 22, 2022</a:t>
+              <a:t>Monday, November 20, 2023</a:t>
             </a:fld>
             <a:endParaRPr lang="en-US" dirty="0"/>
           </a:p>
@@ -5138,7 +5207,7 @@
             </a:pPr>
             <a:r>
               <a:rPr lang="en-US" dirty="0"/>
-              <a:t>Does the input affect selection sort?</a:t>
+              <a:t>Does the input affect insertion sort?</a:t>
             </a:r>
           </a:p>
         </p:txBody>
@@ -5235,6 +5304,141 @@
         </p:txBody>
       </p:sp>
     </p:spTree>
+  </p:cSld>
+  <p:clrMapOvr>
+    <a:masterClrMapping/>
+  </p:clrMapOvr>
+</p:sld>
+</file>
+
+<file path=ppt/slides/slide4.xml><?xml version="1.0" encoding="utf-8"?>
+<p:sld xmlns:a="http://schemas.openxmlformats.org/drawingml/2006/main" xmlns:r="http://schemas.openxmlformats.org/officeDocument/2006/relationships" xmlns:p="http://schemas.openxmlformats.org/presentationml/2006/main">
+  <p:cSld>
+    <p:spTree>
+      <p:nvGrpSpPr>
+        <p:cNvPr id="1" name=""/>
+        <p:cNvGrpSpPr/>
+        <p:nvPr/>
+      </p:nvGrpSpPr>
+      <p:grpSpPr>
+        <a:xfrm>
+          <a:off x="0" y="0"/>
+          <a:ext cx="0" cy="0"/>
+          <a:chOff x="0" y="0"/>
+          <a:chExt cx="0" cy="0"/>
+        </a:xfrm>
+      </p:grpSpPr>
+      <p:sp>
+        <p:nvSpPr>
+          <p:cNvPr id="2" name="Title 1">
+            <a:extLst>
+              <a:ext uri="{FF2B5EF4-FFF2-40B4-BE49-F238E27FC236}">
+                <a16:creationId xmlns:a16="http://schemas.microsoft.com/office/drawing/2014/main" id="{E2349E85-760C-59DA-ED1B-17AAA5536D43}"/>
+              </a:ext>
+            </a:extLst>
+          </p:cNvPr>
+          <p:cNvSpPr>
+            <a:spLocks noGrp="1"/>
+          </p:cNvSpPr>
+          <p:nvPr>
+            <p:ph type="title"/>
+          </p:nvPr>
+        </p:nvSpPr>
+        <p:spPr/>
+        <p:txBody>
+          <a:bodyPr/>
+          <a:lstStyle/>
+          <a:p>
+            <a:r>
+              <a:rPr lang="en-US" dirty="0"/>
+              <a:t>Big </a:t>
+            </a:r>
+            <a:r>
+              <a:rPr lang="en-US"/>
+              <a:t>O Revisited</a:t>
+            </a:r>
+            <a:endParaRPr lang="en-US" dirty="0"/>
+          </a:p>
+        </p:txBody>
+      </p:sp>
+      <p:sp>
+        <p:nvSpPr>
+          <p:cNvPr id="3" name="Content Placeholder 2">
+            <a:extLst>
+              <a:ext uri="{FF2B5EF4-FFF2-40B4-BE49-F238E27FC236}">
+                <a16:creationId xmlns:a16="http://schemas.microsoft.com/office/drawing/2014/main" id="{6E74CCD8-F723-0CE0-C83F-09F5FB4C72C2}"/>
+              </a:ext>
+            </a:extLst>
+          </p:cNvPr>
+          <p:cNvSpPr>
+            <a:spLocks noGrp="1"/>
+          </p:cNvSpPr>
+          <p:nvPr>
+            <p:ph idx="1"/>
+          </p:nvPr>
+        </p:nvSpPr>
+        <p:spPr/>
+        <p:txBody>
+          <a:bodyPr>
+            <a:normAutofit lnSpcReduction="10000"/>
+          </a:bodyPr>
+          <a:lstStyle/>
+          <a:p>
+            <a:r>
+              <a:rPr lang="en-US" dirty="0"/>
+              <a:t>Assume we have two computers</a:t>
+            </a:r>
+          </a:p>
+          <a:p>
+            <a:r>
+              <a:rPr lang="en-US" dirty="0"/>
+              <a:t>One that is VERY fast</a:t>
+            </a:r>
+          </a:p>
+          <a:p>
+            <a:r>
+              <a:rPr lang="en-US" dirty="0"/>
+              <a:t>One that is VERY slow</a:t>
+            </a:r>
+          </a:p>
+          <a:p>
+            <a:r>
+              <a:rPr lang="en-US" dirty="0"/>
+              <a:t>The Fast One can sort 1000 elements in 1ms</a:t>
+            </a:r>
+          </a:p>
+          <a:p>
+            <a:r>
+              <a:rPr lang="en-US" dirty="0"/>
+              <a:t>The Slow One can sort 1000 elements in 10ms</a:t>
+            </a:r>
+          </a:p>
+          <a:p>
+            <a:r>
+              <a:rPr lang="en-US" dirty="0"/>
+              <a:t>The Fast one runs an O(N^2) algorithm</a:t>
+            </a:r>
+          </a:p>
+          <a:p>
+            <a:r>
+              <a:rPr lang="en-US" dirty="0"/>
+              <a:t>The Slow one runs an O(N) algorithm</a:t>
+            </a:r>
+          </a:p>
+          <a:p>
+            <a:r>
+              <a:rPr lang="en-US" dirty="0"/>
+              <a:t>What does this mean?</a:t>
+            </a:r>
+          </a:p>
+        </p:txBody>
+      </p:sp>
+    </p:spTree>
+    <p:extLst>
+      <p:ext uri="{BB962C8B-B14F-4D97-AF65-F5344CB8AC3E}">
+        <p14:creationId xmlns:p14="http://schemas.microsoft.com/office/powerpoint/2010/main" val="166163523"/>
+      </p:ext>
+    </p:extLst>
   </p:cSld>
   <p:clrMapOvr>
     <a:masterClrMapping/>

--- a/ClassMaterials/Sorting/Slides/Part2-InsertionSort.pptx
+++ b/ClassMaterials/Sorting/Slides/Part2-InsertionSort.pptx
@@ -355,7 +355,7 @@
               <a:pPr>
                 <a:defRPr/>
               </a:pPr>
-              <a:t>11/20/2023</a:t>
+              <a:t>2/26/2024</a:t>
             </a:fld>
             <a:endParaRPr lang="en-US"/>
           </a:p>
@@ -590,7 +590,7 @@
               <a:pPr>
                 <a:defRPr/>
               </a:pPr>
-              <a:t>11/20/2023</a:t>
+              <a:t>2/26/2024</a:t>
             </a:fld>
             <a:endParaRPr lang="en-US"/>
           </a:p>
@@ -1350,7 +1350,7 @@
               <a:pPr>
                 <a:defRPr/>
               </a:pPr>
-              <a:t>Monday, November 20, 2023</a:t>
+              <a:t>Monday, February 26, 2024</a:t>
             </a:fld>
             <a:endParaRPr lang="en-US" dirty="0"/>
           </a:p>
@@ -1533,7 +1533,7 @@
               <a:pPr>
                 <a:defRPr/>
               </a:pPr>
-              <a:t>Monday, November 20, 2023</a:t>
+              <a:t>Monday, February 26, 2024</a:t>
             </a:fld>
             <a:endParaRPr lang="en-US" dirty="0"/>
           </a:p>
@@ -1726,7 +1726,7 @@
               <a:pPr>
                 <a:defRPr/>
               </a:pPr>
-              <a:t>Monday, November 20, 2023</a:t>
+              <a:t>Monday, February 26, 2024</a:t>
             </a:fld>
             <a:endParaRPr lang="en-US" dirty="0"/>
           </a:p>
@@ -1909,7 +1909,7 @@
               <a:pPr>
                 <a:defRPr/>
               </a:pPr>
-              <a:t>Monday, November 20, 2023</a:t>
+              <a:t>Monday, February 26, 2024</a:t>
             </a:fld>
             <a:endParaRPr lang="en-US" dirty="0"/>
           </a:p>
@@ -2169,7 +2169,7 @@
               <a:pPr>
                 <a:defRPr/>
               </a:pPr>
-              <a:t>Monday, November 20, 2023</a:t>
+              <a:t>Monday, February 26, 2024</a:t>
             </a:fld>
             <a:endParaRPr lang="en-US"/>
           </a:p>
@@ -2469,7 +2469,7 @@
               <a:pPr>
                 <a:defRPr/>
               </a:pPr>
-              <a:t>Monday, November 20, 2023</a:t>
+              <a:t>Monday, February 26, 2024</a:t>
             </a:fld>
             <a:endParaRPr lang="en-US"/>
           </a:p>
@@ -2903,7 +2903,7 @@
               <a:pPr>
                 <a:defRPr/>
               </a:pPr>
-              <a:t>Monday, November 20, 2023</a:t>
+              <a:t>Monday, February 26, 2024</a:t>
             </a:fld>
             <a:endParaRPr lang="en-US"/>
           </a:p>
@@ -3035,7 +3035,7 @@
               <a:pPr>
                 <a:defRPr/>
               </a:pPr>
-              <a:t>Monday, November 20, 2023</a:t>
+              <a:t>Monday, February 26, 2024</a:t>
             </a:fld>
             <a:endParaRPr lang="en-US"/>
           </a:p>
@@ -3145,7 +3145,7 @@
               <a:pPr>
                 <a:defRPr/>
               </a:pPr>
-              <a:t>Monday, November 20, 2023</a:t>
+              <a:t>Monday, February 26, 2024</a:t>
             </a:fld>
             <a:endParaRPr lang="en-US" dirty="0"/>
           </a:p>
@@ -3435,7 +3435,7 @@
               <a:pPr>
                 <a:defRPr/>
               </a:pPr>
-              <a:t>Monday, November 20, 2023</a:t>
+              <a:t>Monday, February 26, 2024</a:t>
             </a:fld>
             <a:endParaRPr lang="en-US"/>
           </a:p>
@@ -3702,7 +3702,7 @@
               <a:pPr>
                 <a:defRPr/>
               </a:pPr>
-              <a:t>Monday, November 20, 2023</a:t>
+              <a:t>Monday, February 26, 2024</a:t>
             </a:fld>
             <a:endParaRPr lang="en-US"/>
           </a:p>
@@ -3928,7 +3928,7 @@
               <a:pPr>
                 <a:defRPr/>
               </a:pPr>
-              <a:t>Monday, November 20, 2023</a:t>
+              <a:t>Monday, February 26, 2024</a:t>
             </a:fld>
             <a:endParaRPr lang="en-US" dirty="0"/>
           </a:p>

--- a/ClassMaterials/Sorting/Slides/Part2-InsertionSort.pptx
+++ b/ClassMaterials/Sorting/Slides/Part2-InsertionSort.pptx
@@ -355,7 +355,7 @@
               <a:pPr>
                 <a:defRPr/>
               </a:pPr>
-              <a:t>2/26/2024</a:t>
+              <a:t>5/15/2025</a:t>
             </a:fld>
             <a:endParaRPr lang="en-US"/>
           </a:p>
@@ -590,7 +590,7 @@
               <a:pPr>
                 <a:defRPr/>
               </a:pPr>
-              <a:t>2/26/2024</a:t>
+              <a:t>5/15/2025</a:t>
             </a:fld>
             <a:endParaRPr lang="en-US"/>
           </a:p>
@@ -1350,7 +1350,7 @@
               <a:pPr>
                 <a:defRPr/>
               </a:pPr>
-              <a:t>Monday, February 26, 2024</a:t>
+              <a:t>Thursday, May 15, 2025</a:t>
             </a:fld>
             <a:endParaRPr lang="en-US" dirty="0"/>
           </a:p>
@@ -1533,7 +1533,7 @@
               <a:pPr>
                 <a:defRPr/>
               </a:pPr>
-              <a:t>Monday, February 26, 2024</a:t>
+              <a:t>Thursday, May 15, 2025</a:t>
             </a:fld>
             <a:endParaRPr lang="en-US" dirty="0"/>
           </a:p>
@@ -1726,7 +1726,7 @@
               <a:pPr>
                 <a:defRPr/>
               </a:pPr>
-              <a:t>Monday, February 26, 2024</a:t>
+              <a:t>Thursday, May 15, 2025</a:t>
             </a:fld>
             <a:endParaRPr lang="en-US" dirty="0"/>
           </a:p>
@@ -1909,7 +1909,7 @@
               <a:pPr>
                 <a:defRPr/>
               </a:pPr>
-              <a:t>Monday, February 26, 2024</a:t>
+              <a:t>Thursday, May 15, 2025</a:t>
             </a:fld>
             <a:endParaRPr lang="en-US" dirty="0"/>
           </a:p>
@@ -2169,7 +2169,7 @@
               <a:pPr>
                 <a:defRPr/>
               </a:pPr>
-              <a:t>Monday, February 26, 2024</a:t>
+              <a:t>Thursday, May 15, 2025</a:t>
             </a:fld>
             <a:endParaRPr lang="en-US"/>
           </a:p>
@@ -2469,7 +2469,7 @@
               <a:pPr>
                 <a:defRPr/>
               </a:pPr>
-              <a:t>Monday, February 26, 2024</a:t>
+              <a:t>Thursday, May 15, 2025</a:t>
             </a:fld>
             <a:endParaRPr lang="en-US"/>
           </a:p>
@@ -2903,7 +2903,7 @@
               <a:pPr>
                 <a:defRPr/>
               </a:pPr>
-              <a:t>Monday, February 26, 2024</a:t>
+              <a:t>Thursday, May 15, 2025</a:t>
             </a:fld>
             <a:endParaRPr lang="en-US"/>
           </a:p>
@@ -3035,7 +3035,7 @@
               <a:pPr>
                 <a:defRPr/>
               </a:pPr>
-              <a:t>Monday, February 26, 2024</a:t>
+              <a:t>Thursday, May 15, 2025</a:t>
             </a:fld>
             <a:endParaRPr lang="en-US"/>
           </a:p>
@@ -3145,7 +3145,7 @@
               <a:pPr>
                 <a:defRPr/>
               </a:pPr>
-              <a:t>Monday, February 26, 2024</a:t>
+              <a:t>Thursday, May 15, 2025</a:t>
             </a:fld>
             <a:endParaRPr lang="en-US" dirty="0"/>
           </a:p>
@@ -3435,7 +3435,7 @@
               <a:pPr>
                 <a:defRPr/>
               </a:pPr>
-              <a:t>Monday, February 26, 2024</a:t>
+              <a:t>Thursday, May 15, 2025</a:t>
             </a:fld>
             <a:endParaRPr lang="en-US"/>
           </a:p>
@@ -3702,7 +3702,7 @@
               <a:pPr>
                 <a:defRPr/>
               </a:pPr>
-              <a:t>Monday, February 26, 2024</a:t>
+              <a:t>Thursday, May 15, 2025</a:t>
             </a:fld>
             <a:endParaRPr lang="en-US"/>
           </a:p>
@@ -3928,7 +3928,7 @@
               <a:pPr>
                 <a:defRPr/>
               </a:pPr>
-              <a:t>Monday, February 26, 2024</a:t>
+              <a:t>Thursday, May 15, 2025</a:t>
             </a:fld>
             <a:endParaRPr lang="en-US" dirty="0"/>
           </a:p>
